--- a/不分系專題海報.pptx
+++ b/不分系專題海報.pptx
@@ -242,8 +242,11 @@
     </a:lvl9pPr>
   </p:defaultTextStyle>
   <p:extLst>
+    <p:ext uri="{EFAFB233-063F-42B5-8137-9DF3F51BA10A}">
+      <p15:sldGuideLst xmlns:p15="http://schemas.microsoft.com/office/powerpoint/2012/main"/>
+    </p:ext>
     <p:ext uri="GoogleSlidesCustomDataVersion2">
-      <go:slidesCustomData xmlns:go="http://customooxmlschemas.google.com/" xmlns:ahyp="http://schemas.microsoft.com/office/drawing/2018/hyperlinkcolor" xmlns:p15="http://schemas.microsoft.com/office/powerpoint/2012/main" xmlns:p14="http://schemas.microsoft.com/office/powerpoint/2010/main" xmlns:com="http://schemas.openxmlformats.org/drawingml/2006/compatibility" xmlns:pvml="urn:schemas-microsoft-com:office:powerpoint" xmlns:v="urn:schemas-microsoft-com:vml" xmlns:o="urn:schemas-microsoft-com:office:office" xmlns:dgm="http://schemas.openxmlformats.org/drawingml/2006/diagram" xmlns:c="http://schemas.openxmlformats.org/drawingml/2006/chart" xmlns:mv="urn:schemas-microsoft-com:mac:vml" xmlns:mc="http://schemas.openxmlformats.org/markup-compatibility/2006" xmlns="" r:id="rId6" roundtripDataSignature="AMtx7mjoo5DuCBHv89zl8GGPC300qdgM3A=="/>
+      <go:slidesCustomData xmlns="" xmlns:mc="http://schemas.openxmlformats.org/markup-compatibility/2006" xmlns:mv="urn:schemas-microsoft-com:mac:vml" xmlns:c="http://schemas.openxmlformats.org/drawingml/2006/chart" xmlns:dgm="http://schemas.openxmlformats.org/drawingml/2006/diagram" xmlns:o="urn:schemas-microsoft-com:office:office" xmlns:v="urn:schemas-microsoft-com:vml" xmlns:pvml="urn:schemas-microsoft-com:office:powerpoint" xmlns:com="http://schemas.openxmlformats.org/drawingml/2006/compatibility" xmlns:p14="http://schemas.microsoft.com/office/powerpoint/2010/main" xmlns:p15="http://schemas.microsoft.com/office/powerpoint/2012/main" xmlns:ahyp="http://schemas.microsoft.com/office/drawing/2018/hyperlinkcolor" xmlns:go="http://customooxmlschemas.google.com/" r:id="rId6" roundtripDataSignature="AMtx7mjoo5DuCBHv89zl8GGPC300qdgM3A=="/>
     </p:ext>
   </p:extLst>
 </p:presentation>
@@ -11785,7 +11788,7 @@
                 </a:solidFill>
                 <a:latin typeface="Graphik" panose="020B0503030202060203" pitchFamily="34" charset="77"/>
               </a:rPr>
-              <a:t>本實驗將會嫁入這個觀察結果，以提高交易回報。</a:t>
+              <a:t>本實驗將會加入這個觀察結果，以提高交易回報。</a:t>
             </a:r>
             <a:endParaRPr lang="zh-TW" altLang="en-US" sz="1800" dirty="0">
               <a:solidFill>
